--- a/Movie.DatabasePicture.pptx
+++ b/Movie.DatabasePicture.pptx
@@ -10174,8 +10174,8 @@
         </p:nvSpPr>
         <p:spPr>
           <a:xfrm>
-            <a:off x="457199" y="1676400"/>
-            <a:ext cx="8449981" cy="3389045"/>
+            <a:off x="457199" y="1524000"/>
+            <a:ext cx="8610601" cy="3810000"/>
           </a:xfrm>
           <a:prstGeom prst="rect">
             <a:avLst/>
@@ -10183,7 +10183,7 @@
         </p:spPr>
         <p:txBody>
           <a:bodyPr>
-            <a:normAutofit lnSpcReduction="10000"/>
+            <a:normAutofit/>
           </a:bodyPr>
           <a:lstStyle>
             <a:lvl1pPr marL="136525" indent="-136525" algn="l" defTabSz="457200" rtl="0" eaLnBrk="0" fontAlgn="base" hangingPunct="0">
@@ -10473,7 +10473,11 @@
           <a:p>
             <a:r>
               <a:rPr lang="en-US" dirty="0" smtClean="0"/>
-              <a:t>I hope to </a:t>
+              <a:t>Using linear regression, I will</a:t>
+            </a:r>
+            <a:r>
+              <a:rPr lang="en-US" dirty="0" smtClean="0"/>
+              <a:t> </a:t>
             </a:r>
             <a:r>
               <a:rPr lang="en-US" b="1" dirty="0" smtClean="0"/>
@@ -10481,8 +10485,9 @@
             </a:r>
             <a:r>
               <a:rPr lang="en-US" dirty="0" smtClean="0"/>
-              <a:t>weekly gross of a movie based off total gross and opening week. Typically a movie stays in theatres for 3-6 weeks. </a:t>
-            </a:r>
+              <a:t>the total gross of movies from 2000 to 2014 using opening week performance and the number of theatres it played in. I will then add in the studio name and year as new features to see if my prediction score  becomes more accurate. </a:t>
+            </a:r>
+            <a:endParaRPr lang="en-US" dirty="0" smtClean="0"/>
           </a:p>
           <a:p>
             <a:r>
@@ -13863,16 +13868,23 @@
             <p:ph type="title"/>
           </p:nvPr>
         </p:nvSpPr>
-        <p:spPr/>
+        <p:spPr>
+          <a:xfrm>
+            <a:off x="225184" y="76200"/>
+            <a:ext cx="8229600" cy="1143000"/>
+          </a:xfrm>
+        </p:spPr>
         <p:txBody>
-          <a:bodyPr/>
+          <a:bodyPr>
+            <a:normAutofit/>
+          </a:bodyPr>
           <a:lstStyle/>
           <a:p>
             <a:r>
-              <a:rPr lang="en-US" dirty="0" smtClean="0"/>
+              <a:rPr lang="en-US" sz="2200" dirty="0" smtClean="0"/>
               <a:t>Since 1980, Warner Brothers has produced roughly ¼ of all new movies, in comparison to other top studios. </a:t>
             </a:r>
-            <a:endParaRPr lang="en-US" dirty="0"/>
+            <a:endParaRPr lang="en-US" sz="2200" dirty="0"/>
           </a:p>
         </p:txBody>
       </p:sp>
@@ -14174,24 +14186,23 @@
             <p:ph type="title"/>
           </p:nvPr>
         </p:nvSpPr>
-        <p:spPr/>
+        <p:spPr>
+          <a:xfrm>
+            <a:off x="225184" y="76200"/>
+            <a:ext cx="8229600" cy="1143000"/>
+          </a:xfrm>
+        </p:spPr>
         <p:txBody>
-          <a:bodyPr/>
+          <a:bodyPr>
+            <a:normAutofit/>
+          </a:bodyPr>
           <a:lstStyle/>
           <a:p>
             <a:r>
-              <a:rPr lang="en-US" dirty="0" smtClean="0"/>
-              <a:t>2013 was the highest grossing year for new movies, while </a:t>
-            </a:r>
-            <a:r>
-              <a:rPr lang="en-US" smtClean="0"/>
-              <a:t>2012 and </a:t>
-            </a:r>
-            <a:r>
-              <a:rPr lang="en-US" dirty="0" smtClean="0"/>
-              <a:t>2014 were unusually low. </a:t>
-            </a:r>
-            <a:endParaRPr lang="en-US" dirty="0"/>
+              <a:rPr lang="en-US" sz="2200" dirty="0" smtClean="0"/>
+              <a:t>2013 was the highest grossing year for new movies, while 2012 and 2014 were unusually low. </a:t>
+            </a:r>
+            <a:endParaRPr lang="en-US" sz="2200" dirty="0"/>
           </a:p>
         </p:txBody>
       </p:sp>
@@ -14278,7 +14289,7 @@
         </p:blipFill>
         <p:spPr bwMode="auto">
           <a:xfrm>
-            <a:off x="723900" y="1600200"/>
+            <a:off x="533400" y="1371600"/>
             <a:ext cx="7694613" cy="4492625"/>
           </a:xfrm>
           <a:prstGeom prst="rect">
@@ -14362,7 +14373,7 @@
         <p:spPr>
           <a:xfrm>
             <a:off x="304800" y="274638"/>
-            <a:ext cx="8149984" cy="563562"/>
+            <a:ext cx="8229600" cy="715962"/>
           </a:xfrm>
         </p:spPr>
         <p:txBody>
@@ -14438,7 +14449,7 @@
         </p:blipFill>
         <p:spPr bwMode="auto">
           <a:xfrm>
-            <a:off x="990600" y="1295400"/>
+            <a:off x="990599" y="1447800"/>
             <a:ext cx="7242175" cy="4572000"/>
           </a:xfrm>
           <a:prstGeom prst="rect">
@@ -14521,21 +14532,21 @@
         </p:nvSpPr>
         <p:spPr>
           <a:xfrm>
-            <a:off x="228600" y="228600"/>
-            <a:ext cx="8226184" cy="944562"/>
+            <a:off x="228600" y="152400"/>
+            <a:ext cx="8534400" cy="944562"/>
           </a:xfrm>
         </p:spPr>
         <p:txBody>
           <a:bodyPr>
-            <a:normAutofit/>
+            <a:noAutofit/>
           </a:bodyPr>
           <a:lstStyle/>
           <a:p>
             <a:r>
-              <a:rPr lang="en-US" sz="2000" dirty="0" smtClean="0"/>
+              <a:rPr lang="en-US" sz="2200" dirty="0" smtClean="0"/>
               <a:t>While the number of new movies released from 2008 to 2010 dropped significantly, total revenue was not impacted.</a:t>
             </a:r>
-            <a:endParaRPr lang="en-US" sz="2000" dirty="0"/>
+            <a:endParaRPr lang="en-US" sz="2200" dirty="0"/>
           </a:p>
         </p:txBody>
       </p:sp>
